--- a/CloudSec ppt 2025.pptx
+++ b/CloudSec ppt 2025.pptx
@@ -18,9 +18,9 @@
     <p:sldId id="265" r:id="rId9"/>
     <p:sldId id="273" r:id="rId10"/>
     <p:sldId id="275" r:id="rId11"/>
-    <p:sldId id="276" r:id="rId12"/>
-    <p:sldId id="278" r:id="rId13"/>
-    <p:sldId id="277" r:id="rId14"/>
+    <p:sldId id="277" r:id="rId12"/>
+    <p:sldId id="276" r:id="rId13"/>
+    <p:sldId id="278" r:id="rId14"/>
     <p:sldId id="283" r:id="rId15"/>
     <p:sldId id="284" r:id="rId16"/>
     <p:sldId id="269" r:id="rId17"/>
@@ -8749,6 +8749,141 @@
           <p:cNvPr id="2" name="Title 1">
             <a:extLst>
               <a:ext uri="{FF2B5EF4-FFF2-40B4-BE49-F238E27FC236}">
+                <a16:creationId xmlns:a16="http://schemas.microsoft.com/office/drawing/2014/main" id="{6872E0E1-794B-4768-BFF4-6C84B9AFD59C}"/>
+              </a:ext>
+            </a:extLst>
+          </p:cNvPr>
+          <p:cNvSpPr>
+            <a:spLocks noGrp="1"/>
+          </p:cNvSpPr>
+          <p:nvPr>
+            <p:ph type="title"/>
+          </p:nvPr>
+        </p:nvSpPr>
+        <p:spPr>
+          <a:xfrm>
+            <a:off x="1640156" y="658834"/>
+            <a:ext cx="8911687" cy="1280890"/>
+          </a:xfrm>
+        </p:spPr>
+        <p:txBody>
+          <a:bodyPr/>
+          <a:lstStyle/>
+          <a:p>
+            <a:r>
+              <a:rPr lang="en-IN" b="1" dirty="0">
+                <a:latin typeface="Times New Roman" panose="02020603050405020304" pitchFamily="18" charset="0"/>
+                <a:cs typeface="Times New Roman" panose="02020603050405020304" pitchFamily="18" charset="0"/>
+              </a:rPr>
+              <a:t>SEQUENCE DIAGRAM</a:t>
+            </a:r>
+          </a:p>
+        </p:txBody>
+      </p:sp>
+      <p:sp>
+        <p:nvSpPr>
+          <p:cNvPr id="4" name="Slide Number Placeholder 3">
+            <a:extLst>
+              <a:ext uri="{FF2B5EF4-FFF2-40B4-BE49-F238E27FC236}">
+                <a16:creationId xmlns:a16="http://schemas.microsoft.com/office/drawing/2014/main" id="{69FC4C0F-CEAB-678A-4B4D-77F1AEFA7626}"/>
+              </a:ext>
+            </a:extLst>
+          </p:cNvPr>
+          <p:cNvSpPr>
+            <a:spLocks noGrp="1"/>
+          </p:cNvSpPr>
+          <p:nvPr>
+            <p:ph type="sldNum" sz="quarter" idx="12"/>
+          </p:nvPr>
+        </p:nvSpPr>
+        <p:spPr/>
+        <p:txBody>
+          <a:bodyPr/>
+          <a:lstStyle/>
+          <a:p>
+            <a:fld id="{DCA1CD43-E12A-45F0-B60C-6A95FEF0DAF3}" type="slidenum">
+              <a:rPr lang="en-IN" smtClean="0"/>
+              <a:t>11</a:t>
+            </a:fld>
+            <a:endParaRPr lang="en-IN"/>
+          </a:p>
+        </p:txBody>
+      </p:sp>
+      <p:pic>
+        <p:nvPicPr>
+          <p:cNvPr id="5" name="Content Placeholder 4">
+            <a:extLst>
+              <a:ext uri="{FF2B5EF4-FFF2-40B4-BE49-F238E27FC236}">
+                <a16:creationId xmlns:a16="http://schemas.microsoft.com/office/drawing/2014/main" id="{CFEC547F-6699-D249-BAB5-55ECD3094630}"/>
+              </a:ext>
+            </a:extLst>
+          </p:cNvPr>
+          <p:cNvPicPr>
+            <a:picLocks noGrp="1" noChangeAspect="1"/>
+          </p:cNvPicPr>
+          <p:nvPr>
+            <p:ph idx="1"/>
+          </p:nvPr>
+        </p:nvPicPr>
+        <p:blipFill>
+          <a:blip r:embed="rId2"/>
+          <a:srcRect/>
+          <a:stretch>
+            <a:fillRect/>
+          </a:stretch>
+        </p:blipFill>
+        <p:spPr bwMode="auto">
+          <a:xfrm>
+            <a:off x="2623382" y="1664839"/>
+            <a:ext cx="8075098" cy="4788211"/>
+          </a:xfrm>
+          <a:prstGeom prst="rect">
+            <a:avLst/>
+          </a:prstGeom>
+          <a:noFill/>
+          <a:ln w="9525">
+            <a:noFill/>
+            <a:miter lim="800000"/>
+            <a:headEnd/>
+            <a:tailEnd/>
+          </a:ln>
+        </p:spPr>
+      </p:pic>
+    </p:spTree>
+    <p:extLst>
+      <p:ext uri="{BB962C8B-B14F-4D97-AF65-F5344CB8AC3E}">
+        <p14:creationId xmlns:p14="http://schemas.microsoft.com/office/powerpoint/2010/main" val="4284161590"/>
+      </p:ext>
+    </p:extLst>
+  </p:cSld>
+  <p:clrMapOvr>
+    <a:masterClrMapping/>
+  </p:clrMapOvr>
+</p:sld>
+</file>
+
+<file path=ppt/slides/slide12.xml><?xml version="1.0" encoding="utf-8"?>
+<p:sld xmlns:a="http://schemas.openxmlformats.org/drawingml/2006/main" xmlns:r="http://schemas.openxmlformats.org/officeDocument/2006/relationships" xmlns:p="http://schemas.openxmlformats.org/presentationml/2006/main">
+  <p:cSld>
+    <p:spTree>
+      <p:nvGrpSpPr>
+        <p:cNvPr id="1" name=""/>
+        <p:cNvGrpSpPr/>
+        <p:nvPr/>
+      </p:nvGrpSpPr>
+      <p:grpSpPr>
+        <a:xfrm>
+          <a:off x="0" y="0"/>
+          <a:ext cx="0" cy="0"/>
+          <a:chOff x="0" y="0"/>
+          <a:chExt cx="0" cy="0"/>
+        </a:xfrm>
+      </p:grpSpPr>
+      <p:sp>
+        <p:nvSpPr>
+          <p:cNvPr id="2" name="Title 1">
+            <a:extLst>
+              <a:ext uri="{FF2B5EF4-FFF2-40B4-BE49-F238E27FC236}">
                 <a16:creationId xmlns:a16="http://schemas.microsoft.com/office/drawing/2014/main" id="{8C5970D6-F5C8-0648-91DA-9A024EE09EEA}"/>
               </a:ext>
             </a:extLst>
@@ -8805,7 +8940,7 @@
           <a:p>
             <a:fld id="{DCA1CD43-E12A-45F0-B60C-6A95FEF0DAF3}" type="slidenum">
               <a:rPr lang="en-IN" smtClean="0"/>
-              <a:t>11</a:t>
+              <a:t>12</a:t>
             </a:fld>
             <a:endParaRPr lang="en-IN"/>
           </a:p>
@@ -8864,7 +8999,7 @@
 </p:sld>
 </file>
 
-<file path=ppt/slides/slide12.xml><?xml version="1.0" encoding="utf-8"?>
+<file path=ppt/slides/slide13.xml><?xml version="1.0" encoding="utf-8"?>
 <p:sld xmlns:a="http://schemas.openxmlformats.org/drawingml/2006/main" xmlns:r="http://schemas.openxmlformats.org/officeDocument/2006/relationships" xmlns:p="http://schemas.openxmlformats.org/presentationml/2006/main">
   <p:cSld>
     <p:spTree>
@@ -8942,7 +9077,7 @@
           <a:p>
             <a:fld id="{DCA1CD43-E12A-45F0-B60C-6A95FEF0DAF3}" type="slidenum">
               <a:rPr lang="en-IN" smtClean="0"/>
-              <a:t>12</a:t>
+              <a:t>13</a:t>
             </a:fld>
             <a:endParaRPr lang="en-IN"/>
           </a:p>
@@ -9005,141 +9140,6 @@
     <p:extLst>
       <p:ext uri="{BB962C8B-B14F-4D97-AF65-F5344CB8AC3E}">
         <p14:creationId xmlns:p14="http://schemas.microsoft.com/office/powerpoint/2010/main" val="2232756180"/>
-      </p:ext>
-    </p:extLst>
-  </p:cSld>
-  <p:clrMapOvr>
-    <a:masterClrMapping/>
-  </p:clrMapOvr>
-</p:sld>
-</file>
-
-<file path=ppt/slides/slide13.xml><?xml version="1.0" encoding="utf-8"?>
-<p:sld xmlns:a="http://schemas.openxmlformats.org/drawingml/2006/main" xmlns:r="http://schemas.openxmlformats.org/officeDocument/2006/relationships" xmlns:p="http://schemas.openxmlformats.org/presentationml/2006/main">
-  <p:cSld>
-    <p:spTree>
-      <p:nvGrpSpPr>
-        <p:cNvPr id="1" name=""/>
-        <p:cNvGrpSpPr/>
-        <p:nvPr/>
-      </p:nvGrpSpPr>
-      <p:grpSpPr>
-        <a:xfrm>
-          <a:off x="0" y="0"/>
-          <a:ext cx="0" cy="0"/>
-          <a:chOff x="0" y="0"/>
-          <a:chExt cx="0" cy="0"/>
-        </a:xfrm>
-      </p:grpSpPr>
-      <p:sp>
-        <p:nvSpPr>
-          <p:cNvPr id="2" name="Title 1">
-            <a:extLst>
-              <a:ext uri="{FF2B5EF4-FFF2-40B4-BE49-F238E27FC236}">
-                <a16:creationId xmlns:a16="http://schemas.microsoft.com/office/drawing/2014/main" id="{6872E0E1-794B-4768-BFF4-6C84B9AFD59C}"/>
-              </a:ext>
-            </a:extLst>
-          </p:cNvPr>
-          <p:cNvSpPr>
-            <a:spLocks noGrp="1"/>
-          </p:cNvSpPr>
-          <p:nvPr>
-            <p:ph type="title"/>
-          </p:nvPr>
-        </p:nvSpPr>
-        <p:spPr>
-          <a:xfrm>
-            <a:off x="1640156" y="658834"/>
-            <a:ext cx="8911687" cy="1280890"/>
-          </a:xfrm>
-        </p:spPr>
-        <p:txBody>
-          <a:bodyPr/>
-          <a:lstStyle/>
-          <a:p>
-            <a:r>
-              <a:rPr lang="en-IN" b="1" dirty="0">
-                <a:latin typeface="Times New Roman" panose="02020603050405020304" pitchFamily="18" charset="0"/>
-                <a:cs typeface="Times New Roman" panose="02020603050405020304" pitchFamily="18" charset="0"/>
-              </a:rPr>
-              <a:t>SEQUENCE DIAGRAM</a:t>
-            </a:r>
-          </a:p>
-        </p:txBody>
-      </p:sp>
-      <p:sp>
-        <p:nvSpPr>
-          <p:cNvPr id="4" name="Slide Number Placeholder 3">
-            <a:extLst>
-              <a:ext uri="{FF2B5EF4-FFF2-40B4-BE49-F238E27FC236}">
-                <a16:creationId xmlns:a16="http://schemas.microsoft.com/office/drawing/2014/main" id="{69FC4C0F-CEAB-678A-4B4D-77F1AEFA7626}"/>
-              </a:ext>
-            </a:extLst>
-          </p:cNvPr>
-          <p:cNvSpPr>
-            <a:spLocks noGrp="1"/>
-          </p:cNvSpPr>
-          <p:nvPr>
-            <p:ph type="sldNum" sz="quarter" idx="12"/>
-          </p:nvPr>
-        </p:nvSpPr>
-        <p:spPr/>
-        <p:txBody>
-          <a:bodyPr/>
-          <a:lstStyle/>
-          <a:p>
-            <a:fld id="{DCA1CD43-E12A-45F0-B60C-6A95FEF0DAF3}" type="slidenum">
-              <a:rPr lang="en-IN" smtClean="0"/>
-              <a:t>13</a:t>
-            </a:fld>
-            <a:endParaRPr lang="en-IN"/>
-          </a:p>
-        </p:txBody>
-      </p:sp>
-      <p:pic>
-        <p:nvPicPr>
-          <p:cNvPr id="5" name="Content Placeholder 4">
-            <a:extLst>
-              <a:ext uri="{FF2B5EF4-FFF2-40B4-BE49-F238E27FC236}">
-                <a16:creationId xmlns:a16="http://schemas.microsoft.com/office/drawing/2014/main" id="{CFEC547F-6699-D249-BAB5-55ECD3094630}"/>
-              </a:ext>
-            </a:extLst>
-          </p:cNvPr>
-          <p:cNvPicPr>
-            <a:picLocks noGrp="1" noChangeAspect="1"/>
-          </p:cNvPicPr>
-          <p:nvPr>
-            <p:ph idx="1"/>
-          </p:nvPr>
-        </p:nvPicPr>
-        <p:blipFill>
-          <a:blip r:embed="rId2"/>
-          <a:srcRect/>
-          <a:stretch>
-            <a:fillRect/>
-          </a:stretch>
-        </p:blipFill>
-        <p:spPr bwMode="auto">
-          <a:xfrm>
-            <a:off x="2623382" y="1664839"/>
-            <a:ext cx="8075098" cy="4788211"/>
-          </a:xfrm>
-          <a:prstGeom prst="rect">
-            <a:avLst/>
-          </a:prstGeom>
-          <a:noFill/>
-          <a:ln w="9525">
-            <a:noFill/>
-            <a:miter lim="800000"/>
-            <a:headEnd/>
-            <a:tailEnd/>
-          </a:ln>
-        </p:spPr>
-      </p:pic>
-    </p:spTree>
-    <p:extLst>
-      <p:ext uri="{BB962C8B-B14F-4D97-AF65-F5344CB8AC3E}">
-        <p14:creationId xmlns:p14="http://schemas.microsoft.com/office/powerpoint/2010/main" val="4284161590"/>
       </p:ext>
     </p:extLst>
   </p:cSld>
@@ -11192,7 +11192,7 @@
                 <a:latin typeface="Times New Roman" panose="02020603050405020304" pitchFamily="18" charset="0"/>
                 <a:cs typeface="Times New Roman" panose="02020603050405020304" pitchFamily="18" charset="0"/>
               </a:rPr>
-              <a:t>Processor                                         : Intel core i5</a:t>
+              <a:t>Processor                                         : Intel core i3</a:t>
             </a:r>
           </a:p>
           <a:p>
@@ -11201,7 +11201,7 @@
                 <a:latin typeface="Times New Roman" panose="02020603050405020304" pitchFamily="18" charset="0"/>
                 <a:cs typeface="Times New Roman" panose="02020603050405020304" pitchFamily="18" charset="0"/>
               </a:rPr>
-              <a:t>Hard Disk                                        : 40GB</a:t>
+              <a:t>Hard Disk                                        : 5 GB</a:t>
             </a:r>
           </a:p>
           <a:p>
@@ -11210,7 +11210,21 @@
                 <a:latin typeface="Times New Roman" panose="02020603050405020304" pitchFamily="18" charset="0"/>
                 <a:cs typeface="Times New Roman" panose="02020603050405020304" pitchFamily="18" charset="0"/>
               </a:rPr>
-              <a:t>RAM                                               : 8 GB</a:t>
+              <a:t>RAM                                               </a:t>
+            </a:r>
+            <a:r>
+              <a:rPr lang="en-IN" sz="2400">
+                <a:latin typeface="Times New Roman" panose="02020603050405020304" pitchFamily="18" charset="0"/>
+                <a:cs typeface="Times New Roman" panose="02020603050405020304" pitchFamily="18" charset="0"/>
+              </a:rPr>
+              <a:t>: 4 </a:t>
+            </a:r>
+            <a:r>
+              <a:rPr lang="en-IN" sz="2400" dirty="0">
+                <a:latin typeface="Times New Roman" panose="02020603050405020304" pitchFamily="18" charset="0"/>
+                <a:cs typeface="Times New Roman" panose="02020603050405020304" pitchFamily="18" charset="0"/>
+              </a:rPr>
+              <a:t>GB</a:t>
             </a:r>
           </a:p>
           <a:p>
